--- a/presentazione/Battery management system realization on HV accumulator.pptx
+++ b/presentazione/Battery management system realization on HV accumulator.pptx
@@ -16,6 +16,7 @@
     <p:sldId id="264" r:id="rId10"/>
     <p:sldId id="263" r:id="rId11"/>
     <p:sldId id="266" r:id="rId12"/>
+    <p:sldId id="268" r:id="rId13"/>
   </p:sldIdLst>
   <p:sldSz cx="12192000" cy="6858000"/>
   <p:notesSz cx="6858000" cy="9144000"/>
@@ -269,7 +270,7 @@
           <a:p>
             <a:fld id="{EC9165E6-3807-4770-9F28-8A0D1C6C29EB}" type="datetimeFigureOut">
               <a:rPr lang="it-IT" smtClean="0"/>
-              <a:t>17/06/2018</a:t>
+              <a:t>19/06/2018</a:t>
             </a:fld>
             <a:endParaRPr lang="it-IT"/>
           </a:p>
@@ -467,7 +468,7 @@
           <a:p>
             <a:fld id="{EC9165E6-3807-4770-9F28-8A0D1C6C29EB}" type="datetimeFigureOut">
               <a:rPr lang="it-IT" smtClean="0"/>
-              <a:t>17/06/2018</a:t>
+              <a:t>19/06/2018</a:t>
             </a:fld>
             <a:endParaRPr lang="it-IT"/>
           </a:p>
@@ -675,7 +676,7 @@
           <a:p>
             <a:fld id="{EC9165E6-3807-4770-9F28-8A0D1C6C29EB}" type="datetimeFigureOut">
               <a:rPr lang="it-IT" smtClean="0"/>
-              <a:t>17/06/2018</a:t>
+              <a:t>19/06/2018</a:t>
             </a:fld>
             <a:endParaRPr lang="it-IT"/>
           </a:p>
@@ -873,7 +874,7 @@
           <a:p>
             <a:fld id="{EC9165E6-3807-4770-9F28-8A0D1C6C29EB}" type="datetimeFigureOut">
               <a:rPr lang="it-IT" smtClean="0"/>
-              <a:t>17/06/2018</a:t>
+              <a:t>19/06/2018</a:t>
             </a:fld>
             <a:endParaRPr lang="it-IT"/>
           </a:p>
@@ -1148,7 +1149,7 @@
           <a:p>
             <a:fld id="{EC9165E6-3807-4770-9F28-8A0D1C6C29EB}" type="datetimeFigureOut">
               <a:rPr lang="it-IT" smtClean="0"/>
-              <a:t>17/06/2018</a:t>
+              <a:t>19/06/2018</a:t>
             </a:fld>
             <a:endParaRPr lang="it-IT"/>
           </a:p>
@@ -1413,7 +1414,7 @@
           <a:p>
             <a:fld id="{EC9165E6-3807-4770-9F28-8A0D1C6C29EB}" type="datetimeFigureOut">
               <a:rPr lang="it-IT" smtClean="0"/>
-              <a:t>17/06/2018</a:t>
+              <a:t>19/06/2018</a:t>
             </a:fld>
             <a:endParaRPr lang="it-IT"/>
           </a:p>
@@ -1825,7 +1826,7 @@
           <a:p>
             <a:fld id="{EC9165E6-3807-4770-9F28-8A0D1C6C29EB}" type="datetimeFigureOut">
               <a:rPr lang="it-IT" smtClean="0"/>
-              <a:t>17/06/2018</a:t>
+              <a:t>19/06/2018</a:t>
             </a:fld>
             <a:endParaRPr lang="it-IT"/>
           </a:p>
@@ -1966,7 +1967,7 @@
           <a:p>
             <a:fld id="{EC9165E6-3807-4770-9F28-8A0D1C6C29EB}" type="datetimeFigureOut">
               <a:rPr lang="it-IT" smtClean="0"/>
-              <a:t>17/06/2018</a:t>
+              <a:t>19/06/2018</a:t>
             </a:fld>
             <a:endParaRPr lang="it-IT"/>
           </a:p>
@@ -2079,7 +2080,7 @@
           <a:p>
             <a:fld id="{EC9165E6-3807-4770-9F28-8A0D1C6C29EB}" type="datetimeFigureOut">
               <a:rPr lang="it-IT" smtClean="0"/>
-              <a:t>17/06/2018</a:t>
+              <a:t>19/06/2018</a:t>
             </a:fld>
             <a:endParaRPr lang="it-IT"/>
           </a:p>
@@ -2390,7 +2391,7 @@
           <a:p>
             <a:fld id="{EC9165E6-3807-4770-9F28-8A0D1C6C29EB}" type="datetimeFigureOut">
               <a:rPr lang="it-IT" smtClean="0"/>
-              <a:t>17/06/2018</a:t>
+              <a:t>19/06/2018</a:t>
             </a:fld>
             <a:endParaRPr lang="it-IT"/>
           </a:p>
@@ -2678,7 +2679,7 @@
           <a:p>
             <a:fld id="{EC9165E6-3807-4770-9F28-8A0D1C6C29EB}" type="datetimeFigureOut">
               <a:rPr lang="it-IT" smtClean="0"/>
-              <a:t>17/06/2018</a:t>
+              <a:t>19/06/2018</a:t>
             </a:fld>
             <a:endParaRPr lang="it-IT"/>
           </a:p>
@@ -2919,7 +2920,7 @@
           <a:p>
             <a:fld id="{EC9165E6-3807-4770-9F28-8A0D1C6C29EB}" type="datetimeFigureOut">
               <a:rPr lang="it-IT" smtClean="0"/>
-              <a:t>17/06/2018</a:t>
+              <a:t>19/06/2018</a:t>
             </a:fld>
             <a:endParaRPr lang="it-IT"/>
           </a:p>
@@ -4053,7 +4054,15 @@
             <a:pPr algn="ctr"/>
             <a:r>
               <a:rPr lang="it-IT" dirty="0"/>
-              <a:t>Data </a:t>
+              <a:t>Software </a:t>
+            </a:r>
+            <a:r>
+              <a:rPr lang="it-IT" dirty="0" err="1"/>
+              <a:t>development:Data</a:t>
+            </a:r>
+            <a:r>
+              <a:rPr lang="it-IT" dirty="0"/>
+              <a:t> </a:t>
             </a:r>
             <a:r>
               <a:rPr lang="it-IT" dirty="0" err="1"/>
@@ -4443,7 +4452,15 @@
           <a:p>
             <a:r>
               <a:rPr lang="it-IT" dirty="0"/>
-              <a:t>Data </a:t>
+              <a:t>Software </a:t>
+            </a:r>
+            <a:r>
+              <a:rPr lang="it-IT" dirty="0" err="1"/>
+              <a:t>development:Data</a:t>
+            </a:r>
+            <a:r>
+              <a:rPr lang="it-IT" dirty="0"/>
+              <a:t> </a:t>
             </a:r>
             <a:r>
               <a:rPr lang="it-IT" dirty="0" err="1"/>
@@ -4493,7 +4510,7 @@
             </a:r>
             <a:r>
               <a:rPr lang="it-IT" dirty="0"/>
-              <a:t> by</a:t>
+              <a:t> by </a:t>
             </a:r>
           </a:p>
         </p:txBody>
@@ -4502,6 +4519,102 @@
     <p:extLst>
       <p:ext uri="{BB962C8B-B14F-4D97-AF65-F5344CB8AC3E}">
         <p14:creationId xmlns:p14="http://schemas.microsoft.com/office/powerpoint/2010/main" val="2952464255"/>
+      </p:ext>
+    </p:extLst>
+  </p:cSld>
+  <p:clrMapOvr>
+    <a:masterClrMapping/>
+  </p:clrMapOvr>
+</p:sld>
+</file>
+
+<file path=ppt/slides/slide12.xml><?xml version="1.0" encoding="utf-8"?>
+<p:sld xmlns:a="http://schemas.openxmlformats.org/drawingml/2006/main" xmlns:r="http://schemas.openxmlformats.org/officeDocument/2006/relationships" xmlns:p="http://schemas.openxmlformats.org/presentationml/2006/main">
+  <p:cSld>
+    <p:spTree>
+      <p:nvGrpSpPr>
+        <p:cNvPr id="1" name=""/>
+        <p:cNvGrpSpPr/>
+        <p:nvPr/>
+      </p:nvGrpSpPr>
+      <p:grpSpPr>
+        <a:xfrm>
+          <a:off x="0" y="0"/>
+          <a:ext cx="0" cy="0"/>
+          <a:chOff x="0" y="0"/>
+          <a:chExt cx="0" cy="0"/>
+        </a:xfrm>
+      </p:grpSpPr>
+      <p:sp>
+        <p:nvSpPr>
+          <p:cNvPr id="2" name="Titolo 1">
+            <a:extLst>
+              <a:ext uri="{FF2B5EF4-FFF2-40B4-BE49-F238E27FC236}">
+                <a16:creationId xmlns:a16="http://schemas.microsoft.com/office/drawing/2014/main" id="{71C1EE24-CF8A-49CB-864A-C1A29990A0EE}"/>
+              </a:ext>
+            </a:extLst>
+          </p:cNvPr>
+          <p:cNvSpPr>
+            <a:spLocks noGrp="1"/>
+          </p:cNvSpPr>
+          <p:nvPr>
+            <p:ph type="title"/>
+          </p:nvPr>
+        </p:nvSpPr>
+        <p:spPr/>
+        <p:txBody>
+          <a:bodyPr/>
+          <a:lstStyle/>
+          <a:p>
+            <a:r>
+              <a:rPr lang="it-IT" dirty="0"/>
+              <a:t>Software </a:t>
+            </a:r>
+            <a:r>
+              <a:rPr lang="it-IT" dirty="0" err="1"/>
+              <a:t>development</a:t>
+            </a:r>
+            <a:r>
+              <a:rPr lang="it-IT" dirty="0"/>
+              <a:t>:</a:t>
+            </a:r>
+          </a:p>
+        </p:txBody>
+      </p:sp>
+      <p:sp>
+        <p:nvSpPr>
+          <p:cNvPr id="3" name="Segnaposto contenuto 2">
+            <a:extLst>
+              <a:ext uri="{FF2B5EF4-FFF2-40B4-BE49-F238E27FC236}">
+                <a16:creationId xmlns:a16="http://schemas.microsoft.com/office/drawing/2014/main" id="{3FB7A8FC-417E-4B13-8F94-95BD8B6D5D5A}"/>
+              </a:ext>
+            </a:extLst>
+          </p:cNvPr>
+          <p:cNvSpPr>
+            <a:spLocks noGrp="1"/>
+          </p:cNvSpPr>
+          <p:nvPr>
+            <p:ph sz="half" idx="1"/>
+          </p:nvPr>
+        </p:nvSpPr>
+        <p:spPr>
+          <a:xfrm>
+            <a:off x="838199" y="1825625"/>
+            <a:ext cx="10284069" cy="4351338"/>
+          </a:xfrm>
+        </p:spPr>
+        <p:txBody>
+          <a:bodyPr/>
+          <a:lstStyle/>
+          <a:p>
+            <a:endParaRPr lang="it-IT" dirty="0"/>
+          </a:p>
+        </p:txBody>
+      </p:sp>
+    </p:spTree>
+    <p:extLst>
+      <p:ext uri="{BB962C8B-B14F-4D97-AF65-F5344CB8AC3E}">
+        <p14:creationId xmlns:p14="http://schemas.microsoft.com/office/powerpoint/2010/main" val="742950750"/>
       </p:ext>
     </p:extLst>
   </p:cSld>
@@ -5979,8 +6092,8 @@
         </p:blipFill>
         <p:spPr>
           <a:xfrm>
-            <a:off x="6977508" y="3939014"/>
-            <a:ext cx="4881097" cy="2550712"/>
+            <a:off x="6977508" y="3767846"/>
+            <a:ext cx="4881097" cy="2721880"/>
           </a:xfrm>
           <a:prstGeom prst="rect">
             <a:avLst/>

--- a/presentazione/Battery management system realization on HV accumulator.pptx
+++ b/presentazione/Battery management system realization on HV accumulator.pptx
@@ -270,7 +270,7 @@
           <a:p>
             <a:fld id="{EC9165E6-3807-4770-9F28-8A0D1C6C29EB}" type="datetimeFigureOut">
               <a:rPr lang="it-IT" smtClean="0"/>
-              <a:t>19/06/2018</a:t>
+              <a:t>30/06/2018</a:t>
             </a:fld>
             <a:endParaRPr lang="it-IT"/>
           </a:p>
@@ -468,7 +468,7 @@
           <a:p>
             <a:fld id="{EC9165E6-3807-4770-9F28-8A0D1C6C29EB}" type="datetimeFigureOut">
               <a:rPr lang="it-IT" smtClean="0"/>
-              <a:t>19/06/2018</a:t>
+              <a:t>30/06/2018</a:t>
             </a:fld>
             <a:endParaRPr lang="it-IT"/>
           </a:p>
@@ -676,7 +676,7 @@
           <a:p>
             <a:fld id="{EC9165E6-3807-4770-9F28-8A0D1C6C29EB}" type="datetimeFigureOut">
               <a:rPr lang="it-IT" smtClean="0"/>
-              <a:t>19/06/2018</a:t>
+              <a:t>30/06/2018</a:t>
             </a:fld>
             <a:endParaRPr lang="it-IT"/>
           </a:p>
@@ -874,7 +874,7 @@
           <a:p>
             <a:fld id="{EC9165E6-3807-4770-9F28-8A0D1C6C29EB}" type="datetimeFigureOut">
               <a:rPr lang="it-IT" smtClean="0"/>
-              <a:t>19/06/2018</a:t>
+              <a:t>30/06/2018</a:t>
             </a:fld>
             <a:endParaRPr lang="it-IT"/>
           </a:p>
@@ -1149,7 +1149,7 @@
           <a:p>
             <a:fld id="{EC9165E6-3807-4770-9F28-8A0D1C6C29EB}" type="datetimeFigureOut">
               <a:rPr lang="it-IT" smtClean="0"/>
-              <a:t>19/06/2018</a:t>
+              <a:t>30/06/2018</a:t>
             </a:fld>
             <a:endParaRPr lang="it-IT"/>
           </a:p>
@@ -1414,7 +1414,7 @@
           <a:p>
             <a:fld id="{EC9165E6-3807-4770-9F28-8A0D1C6C29EB}" type="datetimeFigureOut">
               <a:rPr lang="it-IT" smtClean="0"/>
-              <a:t>19/06/2018</a:t>
+              <a:t>30/06/2018</a:t>
             </a:fld>
             <a:endParaRPr lang="it-IT"/>
           </a:p>
@@ -1826,7 +1826,7 @@
           <a:p>
             <a:fld id="{EC9165E6-3807-4770-9F28-8A0D1C6C29EB}" type="datetimeFigureOut">
               <a:rPr lang="it-IT" smtClean="0"/>
-              <a:t>19/06/2018</a:t>
+              <a:t>30/06/2018</a:t>
             </a:fld>
             <a:endParaRPr lang="it-IT"/>
           </a:p>
@@ -1967,7 +1967,7 @@
           <a:p>
             <a:fld id="{EC9165E6-3807-4770-9F28-8A0D1C6C29EB}" type="datetimeFigureOut">
               <a:rPr lang="it-IT" smtClean="0"/>
-              <a:t>19/06/2018</a:t>
+              <a:t>30/06/2018</a:t>
             </a:fld>
             <a:endParaRPr lang="it-IT"/>
           </a:p>
@@ -2080,7 +2080,7 @@
           <a:p>
             <a:fld id="{EC9165E6-3807-4770-9F28-8A0D1C6C29EB}" type="datetimeFigureOut">
               <a:rPr lang="it-IT" smtClean="0"/>
-              <a:t>19/06/2018</a:t>
+              <a:t>30/06/2018</a:t>
             </a:fld>
             <a:endParaRPr lang="it-IT"/>
           </a:p>
@@ -2391,7 +2391,7 @@
           <a:p>
             <a:fld id="{EC9165E6-3807-4770-9F28-8A0D1C6C29EB}" type="datetimeFigureOut">
               <a:rPr lang="it-IT" smtClean="0"/>
-              <a:t>19/06/2018</a:t>
+              <a:t>30/06/2018</a:t>
             </a:fld>
             <a:endParaRPr lang="it-IT"/>
           </a:p>
@@ -2679,7 +2679,7 @@
           <a:p>
             <a:fld id="{EC9165E6-3807-4770-9F28-8A0D1C6C29EB}" type="datetimeFigureOut">
               <a:rPr lang="it-IT" smtClean="0"/>
-              <a:t>19/06/2018</a:t>
+              <a:t>30/06/2018</a:t>
             </a:fld>
             <a:endParaRPr lang="it-IT"/>
           </a:p>
@@ -2920,7 +2920,7 @@
           <a:p>
             <a:fld id="{EC9165E6-3807-4770-9F28-8A0D1C6C29EB}" type="datetimeFigureOut">
               <a:rPr lang="it-IT" smtClean="0"/>
-              <a:t>19/06/2018</a:t>
+              <a:t>30/06/2018</a:t>
             </a:fld>
             <a:endParaRPr lang="it-IT"/>
           </a:p>
@@ -4955,11 +4955,11 @@
           <a:p>
             <a:r>
               <a:rPr lang="it-IT" dirty="0" err="1"/>
-              <a:t>Electrical</a:t>
-            </a:r>
-            <a:r>
-              <a:rPr lang="it-IT" dirty="0"/>
-              <a:t> </a:t>
+              <a:t>Battery</a:t>
+            </a:r>
+            <a:r>
+              <a:rPr lang="it-IT" dirty="0"/>
+              <a:t> pack </a:t>
             </a:r>
             <a:r>
               <a:rPr lang="it-IT" dirty="0" err="1"/>
@@ -4972,38 +4972,63 @@
           </a:p>
         </p:txBody>
       </p:sp>
-      <p:pic>
-        <p:nvPicPr>
-          <p:cNvPr id="4" name="Segnaposto contenuto 3">
-            <a:extLst>
-              <a:ext uri="{FF2B5EF4-FFF2-40B4-BE49-F238E27FC236}">
-                <a16:creationId xmlns:a16="http://schemas.microsoft.com/office/drawing/2014/main" id="{A4E7A4A0-528F-45C2-B063-7D0CC3C74FC3}"/>
-              </a:ext>
-            </a:extLst>
-          </p:cNvPr>
-          <p:cNvPicPr>
-            <a:picLocks noGrp="1" noChangeAspect="1"/>
-          </p:cNvPicPr>
+      <p:sp>
+        <p:nvSpPr>
+          <p:cNvPr id="5" name="Segnaposto contenuto 4">
+            <a:extLst>
+              <a:ext uri="{FF2B5EF4-FFF2-40B4-BE49-F238E27FC236}">
+                <a16:creationId xmlns:a16="http://schemas.microsoft.com/office/drawing/2014/main" id="{674E131E-2CC6-485A-9461-624A6CB0C61B}"/>
+              </a:ext>
+            </a:extLst>
+          </p:cNvPr>
+          <p:cNvSpPr>
+            <a:spLocks noGrp="1"/>
+          </p:cNvSpPr>
           <p:nvPr>
             <p:ph idx="1"/>
           </p:nvPr>
-        </p:nvPicPr>
-        <p:blipFill>
-          <a:blip r:embed="rId2"/>
-          <a:stretch>
-            <a:fillRect/>
-          </a:stretch>
-        </p:blipFill>
-        <p:spPr>
-          <a:xfrm>
-            <a:off x="2714626" y="1082363"/>
-            <a:ext cx="6057900" cy="5634480"/>
-          </a:xfrm>
-          <a:prstGeom prst="rect">
-            <a:avLst/>
-          </a:prstGeom>
-        </p:spPr>
-      </p:pic>
+        </p:nvSpPr>
+        <p:spPr/>
+        <p:txBody>
+          <a:bodyPr/>
+          <a:lstStyle/>
+          <a:p>
+            <a:r>
+              <a:rPr lang="en-US" dirty="0"/>
+              <a:t>648 Sony VTC5 cells disposed in 108 series and six parallels in order to achieve 453V and 6kWh</a:t>
+            </a:r>
+          </a:p>
+          <a:p>
+            <a:r>
+              <a:rPr lang="en-US" dirty="0"/>
+              <a:t>Two </a:t>
+            </a:r>
+            <a:r>
+              <a:rPr lang="en-US" dirty="0" err="1"/>
+              <a:t>emrax</a:t>
+            </a:r>
+            <a:r>
+              <a:rPr lang="en-US" dirty="0"/>
+              <a:t> 228, 80 kW</a:t>
+            </a:r>
+          </a:p>
+          <a:p>
+            <a:r>
+              <a:rPr lang="en-US" dirty="0"/>
+              <a:t>Two inverters </a:t>
+            </a:r>
+            <a:r>
+              <a:rPr lang="en-US" dirty="0" err="1"/>
+              <a:t>Bamocar</a:t>
+            </a:r>
+            <a:r>
+              <a:rPr lang="en-US" dirty="0"/>
+              <a:t> D3</a:t>
+            </a:r>
+            <a:endParaRPr lang="it-IT" dirty="0"/>
+          </a:p>
+        </p:txBody>
+      </p:sp>
     </p:spTree>
     <p:extLst>
       <p:ext uri="{BB962C8B-B14F-4D97-AF65-F5344CB8AC3E}">
